--- a/tex/Постер QTS/Постер_через_powerpoint.pptx
+++ b/tex/Постер QTS/Постер_через_powerpoint.pptx
@@ -3196,6 +3196,61 @@
       </p:grpSpPr>
       <p:sp>
         <p:nvSpPr>
+          <p:cNvPr id="811148982" name=""/>
+          <p:cNvSpPr/>
+          <p:nvPr/>
+        </p:nvSpPr>
+        <p:spPr bwMode="auto">
+          <a:xfrm flipH="0" flipV="0">
+            <a:off x="699328" y="8710888"/>
+            <a:ext cx="12103245" cy="11384537"/>
+          </a:xfrm>
+          <a:prstGeom prst="flowChartAlternateProcess">
+            <a:avLst/>
+          </a:prstGeom>
+          <a:solidFill>
+            <a:schemeClr val="accent1">
+              <a:alpha val="0"/>
+            </a:schemeClr>
+          </a:solidFill>
+          <a:ln w="38099" cap="flat" cmpd="sng" algn="ctr">
+            <a:solidFill>
+              <a:schemeClr val="accent1">
+                <a:shade val="50000"/>
+              </a:schemeClr>
+            </a:solidFill>
+            <a:prstDash val="solid"/>
+            <a:miter lim="800000"/>
+          </a:ln>
+        </p:spPr>
+        <p:style>
+          <a:lnRef idx="2">
+            <a:schemeClr val="accent1">
+              <a:shade val="50000"/>
+            </a:schemeClr>
+          </a:lnRef>
+          <a:fillRef idx="1">
+            <a:schemeClr val="accent1"/>
+          </a:fillRef>
+          <a:effectRef idx="0">
+            <a:schemeClr val="accent1"/>
+          </a:effectRef>
+          <a:fontRef idx="minor">
+            <a:schemeClr val="lt1"/>
+          </a:fontRef>
+        </p:style>
+        <p:txBody>
+          <a:bodyPr/>
+          <a:p>
+            <a:pPr>
+              <a:defRPr/>
+            </a:pPr>
+            <a:endParaRPr baseline="-25000"/>
+          </a:p>
+        </p:txBody>
+      </p:sp>
+      <p:sp>
+        <p:nvSpPr>
           <p:cNvPr id="1864705054" name=""/>
           <p:cNvSpPr txBox="1"/>
           <p:nvPr/>
@@ -6258,7 +6313,7 @@
         </p:nvPicPr>
         <p:blipFill>
           <a:blip r:embed="rId32"/>
-          <a:srcRect l="15066" t="14596" r="14064" b="13168"/>
+          <a:srcRect l="15066" t="14596" r="14063" b="13168"/>
           <a:stretch/>
         </p:blipFill>
         <p:spPr bwMode="auto">
@@ -6658,61 +6713,6 @@
               <a:defRPr/>
             </a:pPr>
             <a:endParaRPr/>
-          </a:p>
-        </p:txBody>
-      </p:sp>
-      <p:sp>
-        <p:nvSpPr>
-          <p:cNvPr id="811148982" name=""/>
-          <p:cNvSpPr/>
-          <p:nvPr/>
-        </p:nvSpPr>
-        <p:spPr bwMode="auto">
-          <a:xfrm flipH="0" flipV="0">
-            <a:off x="699328" y="8710888"/>
-            <a:ext cx="12103245" cy="11384537"/>
-          </a:xfrm>
-          <a:prstGeom prst="flowChartAlternateProcess">
-            <a:avLst/>
-          </a:prstGeom>
-          <a:solidFill>
-            <a:schemeClr val="accent1">
-              <a:alpha val="0"/>
-            </a:schemeClr>
-          </a:solidFill>
-          <a:ln w="38099" cap="flat" cmpd="sng" algn="ctr">
-            <a:solidFill>
-              <a:schemeClr val="accent1">
-                <a:shade val="50000"/>
-              </a:schemeClr>
-            </a:solidFill>
-            <a:prstDash val="solid"/>
-            <a:miter lim="800000"/>
-          </a:ln>
-        </p:spPr>
-        <p:style>
-          <a:lnRef idx="2">
-            <a:schemeClr val="accent1">
-              <a:shade val="50000"/>
-            </a:schemeClr>
-          </a:lnRef>
-          <a:fillRef idx="1">
-            <a:schemeClr val="accent1"/>
-          </a:fillRef>
-          <a:effectRef idx="0">
-            <a:schemeClr val="accent1"/>
-          </a:effectRef>
-          <a:fontRef idx="minor">
-            <a:schemeClr val="lt1"/>
-          </a:fontRef>
-        </p:style>
-        <p:txBody>
-          <a:bodyPr/>
-          <a:p>
-            <a:pPr>
-              <a:defRPr/>
-            </a:pPr>
-            <a:endParaRPr baseline="-25000"/>
           </a:p>
         </p:txBody>
       </p:sp>
